--- a/additionalMaterial/Arcadia coding challenge.pptx
+++ b/additionalMaterial/Arcadia coding challenge.pptx
@@ -207,7 +207,7 @@
           <a:p>
             <a:fld id="{67A2E7E2-27B8-425C-B4EB-E884904ECD4B}" type="datetimeFigureOut">
               <a:rPr lang="de-DE" smtClean="0"/>
-              <a:t>17.07.2021</a:t>
+              <a:t>18.07.2021</a:t>
             </a:fld>
             <a:endParaRPr lang="de-DE"/>
           </a:p>
@@ -690,7 +690,7 @@
           <a:p>
             <a:fld id="{EF8E4B40-7F43-4DD3-A070-5400EC1863A2}" type="datetime1">
               <a:rPr lang="es-ES" smtClean="0"/>
-              <a:t>17/07/2021</a:t>
+              <a:t>18/07/2021</a:t>
             </a:fld>
             <a:endParaRPr lang="de-DE"/>
           </a:p>
@@ -864,7 +864,7 @@
           <a:p>
             <a:fld id="{E0DA59B0-8943-4F05-9ACB-9BE9E641BF55}" type="datetime1">
               <a:rPr lang="es-ES" smtClean="0"/>
-              <a:t>17/07/2021</a:t>
+              <a:t>18/07/2021</a:t>
             </a:fld>
             <a:endParaRPr lang="de-DE"/>
           </a:p>
@@ -1048,7 +1048,7 @@
           <a:p>
             <a:fld id="{93749CB3-FE0C-438C-86A2-907C959E563F}" type="datetime1">
               <a:rPr lang="es-ES" smtClean="0"/>
-              <a:t>17/07/2021</a:t>
+              <a:t>18/07/2021</a:t>
             </a:fld>
             <a:endParaRPr lang="de-DE"/>
           </a:p>
@@ -1222,7 +1222,7 @@
           <a:p>
             <a:fld id="{EF7341AF-8AC0-4F6A-94AA-EACB00987E78}" type="datetime1">
               <a:rPr lang="es-ES" smtClean="0"/>
-              <a:t>17/07/2021</a:t>
+              <a:t>18/07/2021</a:t>
             </a:fld>
             <a:endParaRPr lang="de-DE"/>
           </a:p>
@@ -1472,7 +1472,7 @@
           <a:p>
             <a:fld id="{C2C2C80C-13BD-40C6-B2AB-75BD61C9978F}" type="datetime1">
               <a:rPr lang="es-ES" smtClean="0"/>
-              <a:t>17/07/2021</a:t>
+              <a:t>18/07/2021</a:t>
             </a:fld>
             <a:endParaRPr lang="de-DE"/>
           </a:p>
@@ -1708,7 +1708,7 @@
           <a:p>
             <a:fld id="{4844AE6F-946B-44D3-B871-E0E0FA705A17}" type="datetime1">
               <a:rPr lang="es-ES" smtClean="0"/>
-              <a:t>17/07/2021</a:t>
+              <a:t>18/07/2021</a:t>
             </a:fld>
             <a:endParaRPr lang="de-DE"/>
           </a:p>
@@ -2079,7 +2079,7 @@
           <a:p>
             <a:fld id="{70C00309-99E1-4645-A6C4-6EA2AF5A6C89}" type="datetime1">
               <a:rPr lang="es-ES" smtClean="0"/>
-              <a:t>17/07/2021</a:t>
+              <a:t>18/07/2021</a:t>
             </a:fld>
             <a:endParaRPr lang="de-DE"/>
           </a:p>
@@ -2201,7 +2201,7 @@
           <a:p>
             <a:fld id="{7F4CE8F9-D0BF-43AE-B99D-48CFF03F52BA}" type="datetime1">
               <a:rPr lang="es-ES" smtClean="0"/>
-              <a:t>17/07/2021</a:t>
+              <a:t>18/07/2021</a:t>
             </a:fld>
             <a:endParaRPr lang="de-DE"/>
           </a:p>
@@ -2300,7 +2300,7 @@
           <a:p>
             <a:fld id="{CFC2B2A3-85D2-436F-B6F6-AFF92BE0499B}" type="datetime1">
               <a:rPr lang="es-ES" smtClean="0"/>
-              <a:t>17/07/2021</a:t>
+              <a:t>18/07/2021</a:t>
             </a:fld>
             <a:endParaRPr lang="de-DE"/>
           </a:p>
@@ -2581,7 +2581,7 @@
           <a:p>
             <a:fld id="{B7738FE7-3DDC-46AF-BF6F-AC3B26DE5127}" type="datetime1">
               <a:rPr lang="es-ES" smtClean="0"/>
-              <a:t>17/07/2021</a:t>
+              <a:t>18/07/2021</a:t>
             </a:fld>
             <a:endParaRPr lang="de-DE"/>
           </a:p>
@@ -2838,7 +2838,7 @@
           <a:p>
             <a:fld id="{4765575B-3666-46D6-A54E-ED373FFD8C7C}" type="datetime1">
               <a:rPr lang="es-ES" smtClean="0"/>
-              <a:t>17/07/2021</a:t>
+              <a:t>18/07/2021</a:t>
             </a:fld>
             <a:endParaRPr lang="de-DE"/>
           </a:p>
@@ -3055,7 +3055,7 @@
           <a:p>
             <a:fld id="{0C8C3FC6-B88C-45F7-B536-56C0FDF5D6C1}" type="datetime1">
               <a:rPr lang="es-ES" smtClean="0"/>
-              <a:t>17/07/2021</a:t>
+              <a:t>18/07/2021</a:t>
             </a:fld>
             <a:endParaRPr lang="de-DE"/>
           </a:p>
@@ -3677,7 +3677,7 @@
           <a:p>
             <a:fld id="{5CD726D9-14E8-469F-B505-930BA3FE2D7D}" type="datetime1">
               <a:rPr lang="es-ES" smtClean="0"/>
-              <a:t>17/07/2021</a:t>
+              <a:t>18/07/2021</a:t>
             </a:fld>
             <a:endParaRPr lang="de-DE"/>
           </a:p>
@@ -3902,7 +3902,7 @@
           <a:p>
             <a:fld id="{37CAA0BA-ED71-44EF-91CA-56216FFD4371}" type="datetime1">
               <a:rPr lang="es-ES" smtClean="0"/>
-              <a:t>17/07/2021</a:t>
+              <a:t>18/07/2021</a:t>
             </a:fld>
             <a:endParaRPr lang="de-DE"/>
           </a:p>
@@ -4140,7 +4140,6 @@
               <a:rPr lang="es-ES" dirty="0" smtClean="0"/>
               <a:t> position)</a:t>
             </a:r>
-            <a:endParaRPr lang="es-ES" dirty="0" smtClean="0"/>
           </a:p>
           <a:p>
             <a:pPr marL="285750" indent="-285750">
@@ -4348,7 +4347,7 @@
           <a:p>
             <a:fld id="{4AAB3A22-1D20-416C-A43B-66E3D9C63F5F}" type="datetime1">
               <a:rPr lang="es-ES" smtClean="0"/>
-              <a:t>17/07/2021</a:t>
+              <a:t>18/07/2021</a:t>
             </a:fld>
             <a:endParaRPr lang="de-DE"/>
           </a:p>
@@ -5211,7 +5210,7 @@
           <a:p>
             <a:fld id="{67A2722B-B09F-49C0-82E0-E7CA13C983A9}" type="datetime1">
               <a:rPr lang="es-ES" smtClean="0"/>
-              <a:t>17/07/2021</a:t>
+              <a:t>18/07/2021</a:t>
             </a:fld>
             <a:endParaRPr lang="de-DE"/>
           </a:p>
@@ -5340,7 +5339,7 @@
           <a:p>
             <a:fld id="{C1A99A8E-69E2-47B7-B7E8-7A19462F3A9C}" type="datetime1">
               <a:rPr lang="es-ES" smtClean="0"/>
-              <a:t>17/07/2021</a:t>
+              <a:t>18/07/2021</a:t>
             </a:fld>
             <a:endParaRPr lang="de-DE"/>
           </a:p>
@@ -6069,7 +6068,7 @@
           <a:p>
             <a:fld id="{C1A99A8E-69E2-47B7-B7E8-7A19462F3A9C}" type="datetime1">
               <a:rPr lang="es-ES" smtClean="0"/>
-              <a:t>17/07/2021</a:t>
+              <a:t>18/07/2021</a:t>
             </a:fld>
             <a:endParaRPr lang="de-DE"/>
           </a:p>
@@ -7043,7 +7042,7 @@
           <a:p>
             <a:fld id="{6ACAB6A7-0C7E-4971-87AC-7CF313218F81}" type="datetime1">
               <a:rPr lang="es-ES" smtClean="0"/>
-              <a:t>17/07/2021</a:t>
+              <a:t>18/07/2021</a:t>
             </a:fld>
             <a:endParaRPr lang="de-DE"/>
           </a:p>
@@ -7639,7 +7638,7 @@
           <a:p>
             <a:fld id="{3E7A60FE-B05C-4995-901D-7197F4CC3BAC}" type="datetime1">
               <a:rPr lang="es-ES" smtClean="0"/>
-              <a:t>17/07/2021</a:t>
+              <a:t>18/07/2021</a:t>
             </a:fld>
             <a:endParaRPr lang="de-DE"/>
           </a:p>
@@ -7827,8 +7826,8 @@
         </p:nvSpPr>
         <p:spPr>
           <a:xfrm>
-            <a:off x="1286757" y="5427970"/>
-            <a:ext cx="1846085" cy="496389"/>
+            <a:off x="1390137" y="5427970"/>
+            <a:ext cx="1639323" cy="496389"/>
           </a:xfrm>
           <a:prstGeom prst="roundRect">
             <a:avLst/>
@@ -7857,15 +7856,7 @@
             <a:pPr algn="ctr"/>
             <a:r>
               <a:rPr lang="es-ES" dirty="0" err="1" smtClean="0"/>
-              <a:t>Arrival</a:t>
-            </a:r>
-            <a:r>
-              <a:rPr lang="es-ES" dirty="0" smtClean="0"/>
-              <a:t> </a:t>
-            </a:r>
-            <a:r>
-              <a:rPr lang="es-ES" dirty="0" err="1" smtClean="0"/>
-              <a:t>airport</a:t>
+              <a:t>Airport</a:t>
             </a:r>
             <a:endParaRPr lang="es-ES" dirty="0"/>
           </a:p>
@@ -7996,7 +7987,7 @@
           <a:p>
             <a:fld id="{A971FB99-8829-49D1-8177-36C294907C9A}" type="datetime1">
               <a:rPr lang="es-ES" smtClean="0"/>
-              <a:t>17/07/2021</a:t>
+              <a:t>18/07/2021</a:t>
             </a:fld>
             <a:endParaRPr lang="de-DE"/>
           </a:p>
@@ -8539,7 +8530,7 @@
           <a:p>
             <a:fld id="{712CD4BB-DBCE-4532-A8F5-F4EA3430C77D}" type="datetime1">
               <a:rPr lang="es-ES" smtClean="0"/>
-              <a:t>17/07/2021</a:t>
+              <a:t>18/07/2021</a:t>
             </a:fld>
             <a:endParaRPr lang="de-DE"/>
           </a:p>
@@ -8645,36 +8636,6 @@
           </a:prstGeom>
         </p:spPr>
       </p:pic>
-      <p:pic>
-        <p:nvPicPr>
-          <p:cNvPr id="9" name="Imagen 8"/>
-          <p:cNvPicPr>
-            <a:picLocks noChangeAspect="1"/>
-          </p:cNvPicPr>
-          <p:nvPr/>
-        </p:nvPicPr>
-        <p:blipFill>
-          <a:blip r:embed="rId4" cstate="print">
-            <a:extLst>
-              <a:ext uri="{28A0092B-C50C-407E-A947-70E740481C1C}">
-                <a14:useLocalDpi xmlns:a14="http://schemas.microsoft.com/office/drawing/2010/main" val="0"/>
-              </a:ext>
-            </a:extLst>
-          </a:blip>
-          <a:stretch>
-            <a:fillRect/>
-          </a:stretch>
-        </p:blipFill>
-        <p:spPr>
-          <a:xfrm>
-            <a:off x="6955737" y="3852521"/>
-            <a:ext cx="821016" cy="821016"/>
-          </a:xfrm>
-          <a:prstGeom prst="rect">
-            <a:avLst/>
-          </a:prstGeom>
-        </p:spPr>
-      </p:pic>
       <p:sp>
         <p:nvSpPr>
           <p:cNvPr id="12" name="Rectángulo 11"/>
@@ -8874,6 +8835,36 @@
           </a:p>
         </p:txBody>
       </p:sp>
+      <p:pic>
+        <p:nvPicPr>
+          <p:cNvPr id="4" name="Imagen 3"/>
+          <p:cNvPicPr>
+            <a:picLocks noChangeAspect="1"/>
+          </p:cNvPicPr>
+          <p:nvPr/>
+        </p:nvPicPr>
+        <p:blipFill>
+          <a:blip r:embed="rId4" cstate="print">
+            <a:extLst>
+              <a:ext uri="{28A0092B-C50C-407E-A947-70E740481C1C}">
+                <a14:useLocalDpi xmlns:a14="http://schemas.microsoft.com/office/drawing/2010/main" val="0"/>
+              </a:ext>
+            </a:extLst>
+          </a:blip>
+          <a:stretch>
+            <a:fillRect/>
+          </a:stretch>
+        </p:blipFill>
+        <p:spPr>
+          <a:xfrm>
+            <a:off x="6966855" y="3792479"/>
+            <a:ext cx="809898" cy="809898"/>
+          </a:xfrm>
+          <a:prstGeom prst="rect">
+            <a:avLst/>
+          </a:prstGeom>
+        </p:spPr>
+      </p:pic>
     </p:spTree>
     <p:extLst>
       <p:ext uri="{BB962C8B-B14F-4D97-AF65-F5344CB8AC3E}">

--- a/additionalMaterial/Arcadia coding challenge.pptx
+++ b/additionalMaterial/Arcadia coding challenge.pptx
@@ -8584,30 +8584,6 @@
       </p:sp>
       <p:pic>
         <p:nvPicPr>
-          <p:cNvPr id="7" name="Imagen 6"/>
-          <p:cNvPicPr>
-            <a:picLocks noChangeAspect="1"/>
-          </p:cNvPicPr>
-          <p:nvPr/>
-        </p:nvPicPr>
-        <p:blipFill>
-          <a:blip r:embed="rId2"/>
-          <a:stretch>
-            <a:fillRect/>
-          </a:stretch>
-        </p:blipFill>
-        <p:spPr>
-          <a:xfrm>
-            <a:off x="838200" y="1550513"/>
-            <a:ext cx="5706271" cy="4201111"/>
-          </a:xfrm>
-          <a:prstGeom prst="rect">
-            <a:avLst/>
-          </a:prstGeom>
-        </p:spPr>
-      </p:pic>
-      <p:pic>
-        <p:nvPicPr>
           <p:cNvPr id="8" name="Imagen 7"/>
           <p:cNvPicPr>
             <a:picLocks noChangeAspect="1"/>
@@ -8615,7 +8591,7 @@
           <p:nvPr/>
         </p:nvPicPr>
         <p:blipFill>
-          <a:blip r:embed="rId3" cstate="print">
+          <a:blip r:embed="rId2" cstate="print">
             <a:extLst>
               <a:ext uri="{28A0092B-C50C-407E-A947-70E740481C1C}">
                 <a14:useLocalDpi xmlns:a14="http://schemas.microsoft.com/office/drawing/2010/main" val="0"/>
@@ -8638,14 +8614,188 @@
       </p:pic>
       <p:sp>
         <p:nvSpPr>
+          <p:cNvPr id="13" name="CuadroTexto 12"/>
+          <p:cNvSpPr txBox="1"/>
+          <p:nvPr/>
+        </p:nvSpPr>
+        <p:spPr>
+          <a:xfrm>
+            <a:off x="7628709" y="1360013"/>
+            <a:ext cx="1716677" cy="400110"/>
+          </a:xfrm>
+          <a:prstGeom prst="rect">
+            <a:avLst/>
+          </a:prstGeom>
+        </p:spPr>
+        <p:style>
+          <a:lnRef idx="0">
+            <a:schemeClr val="accent1"/>
+          </a:lnRef>
+          <a:fillRef idx="3">
+            <a:schemeClr val="accent1"/>
+          </a:fillRef>
+          <a:effectRef idx="3">
+            <a:schemeClr val="accent1"/>
+          </a:effectRef>
+          <a:fontRef idx="minor">
+            <a:schemeClr val="lt1"/>
+          </a:fontRef>
+        </p:style>
+        <p:txBody>
+          <a:bodyPr wrap="square" rtlCol="0">
+            <a:spAutoFit/>
+          </a:bodyPr>
+          <a:lstStyle/>
+          <a:p>
+            <a:pPr algn="ctr"/>
+            <a:r>
+              <a:rPr lang="de-DE" sz="2000" dirty="0" smtClean="0"/>
+              <a:t>Zoom In/Out</a:t>
+            </a:r>
+            <a:endParaRPr lang="de-DE" sz="2000" dirty="0"/>
+          </a:p>
+        </p:txBody>
+      </p:sp>
+      <p:sp>
+        <p:nvSpPr>
+          <p:cNvPr id="16" name="CuadroTexto 15"/>
+          <p:cNvSpPr txBox="1"/>
+          <p:nvPr/>
+        </p:nvSpPr>
+        <p:spPr>
+          <a:xfrm>
+            <a:off x="7889966" y="3030583"/>
+            <a:ext cx="2092234" cy="400110"/>
+          </a:xfrm>
+          <a:prstGeom prst="rect">
+            <a:avLst/>
+          </a:prstGeom>
+          <a:noFill/>
+        </p:spPr>
+        <p:txBody>
+          <a:bodyPr wrap="square" rtlCol="0">
+            <a:spAutoFit/>
+          </a:bodyPr>
+          <a:lstStyle/>
+          <a:p>
+            <a:r>
+              <a:rPr lang="es-ES" sz="2000" dirty="0" err="1" smtClean="0"/>
+              <a:t>Arrival</a:t>
+            </a:r>
+            <a:r>
+              <a:rPr lang="es-ES" sz="2000" dirty="0" smtClean="0"/>
+              <a:t> </a:t>
+            </a:r>
+            <a:r>
+              <a:rPr lang="es-ES" sz="2000" dirty="0" err="1" smtClean="0"/>
+              <a:t>airport</a:t>
+            </a:r>
+            <a:endParaRPr lang="es-ES" sz="2000" dirty="0"/>
+          </a:p>
+        </p:txBody>
+      </p:sp>
+      <p:sp>
+        <p:nvSpPr>
+          <p:cNvPr id="17" name="CuadroTexto 16"/>
+          <p:cNvSpPr txBox="1"/>
+          <p:nvPr/>
+        </p:nvSpPr>
+        <p:spPr>
+          <a:xfrm>
+            <a:off x="7889965" y="4022975"/>
+            <a:ext cx="2338251" cy="400110"/>
+          </a:xfrm>
+          <a:prstGeom prst="rect">
+            <a:avLst/>
+          </a:prstGeom>
+          <a:noFill/>
+        </p:spPr>
+        <p:txBody>
+          <a:bodyPr wrap="square" rtlCol="0">
+            <a:spAutoFit/>
+          </a:bodyPr>
+          <a:lstStyle/>
+          <a:p>
+            <a:r>
+              <a:rPr lang="es-ES" sz="2000" dirty="0" err="1" smtClean="0"/>
+              <a:t>Departure</a:t>
+            </a:r>
+            <a:r>
+              <a:rPr lang="es-ES" sz="2000" dirty="0" smtClean="0"/>
+              <a:t> </a:t>
+            </a:r>
+            <a:r>
+              <a:rPr lang="es-ES" sz="2000" dirty="0" err="1" smtClean="0"/>
+              <a:t>airports</a:t>
+            </a:r>
+            <a:endParaRPr lang="es-ES" sz="2000" dirty="0"/>
+          </a:p>
+        </p:txBody>
+      </p:sp>
+      <p:pic>
+        <p:nvPicPr>
+          <p:cNvPr id="4" name="Imagen 3"/>
+          <p:cNvPicPr>
+            <a:picLocks noChangeAspect="1"/>
+          </p:cNvPicPr>
+          <p:nvPr/>
+        </p:nvPicPr>
+        <p:blipFill>
+          <a:blip r:embed="rId3" cstate="print">
+            <a:extLst>
+              <a:ext uri="{28A0092B-C50C-407E-A947-70E740481C1C}">
+                <a14:useLocalDpi xmlns:a14="http://schemas.microsoft.com/office/drawing/2010/main" val="0"/>
+              </a:ext>
+            </a:extLst>
+          </a:blip>
+          <a:stretch>
+            <a:fillRect/>
+          </a:stretch>
+        </p:blipFill>
+        <p:spPr>
+          <a:xfrm>
+            <a:off x="6966855" y="3792479"/>
+            <a:ext cx="809898" cy="809898"/>
+          </a:xfrm>
+          <a:prstGeom prst="rect">
+            <a:avLst/>
+          </a:prstGeom>
+        </p:spPr>
+      </p:pic>
+      <p:pic>
+        <p:nvPicPr>
+          <p:cNvPr id="9" name="Imagen 8"/>
+          <p:cNvPicPr>
+            <a:picLocks noChangeAspect="1"/>
+          </p:cNvPicPr>
+          <p:nvPr/>
+        </p:nvPicPr>
+        <p:blipFill>
+          <a:blip r:embed="rId4"/>
+          <a:stretch>
+            <a:fillRect/>
+          </a:stretch>
+        </p:blipFill>
+        <p:spPr>
+          <a:xfrm>
+            <a:off x="650836" y="1360013"/>
+            <a:ext cx="6202807" cy="4612880"/>
+          </a:xfrm>
+          <a:prstGeom prst="rect">
+            <a:avLst/>
+          </a:prstGeom>
+        </p:spPr>
+      </p:pic>
+      <p:sp>
+        <p:nvSpPr>
           <p:cNvPr id="12" name="Rectángulo 11"/>
           <p:cNvSpPr/>
           <p:nvPr/>
         </p:nvSpPr>
         <p:spPr>
           <a:xfrm>
-            <a:off x="5303520" y="1690688"/>
-            <a:ext cx="1058091" cy="386306"/>
+            <a:off x="5473338" y="1687839"/>
+            <a:ext cx="1151708" cy="386306"/>
           </a:xfrm>
           <a:prstGeom prst="rect">
             <a:avLst/>
@@ -8682,60 +8832,18 @@
           </a:p>
         </p:txBody>
       </p:sp>
-      <p:sp>
-        <p:nvSpPr>
-          <p:cNvPr id="13" name="CuadroTexto 12"/>
-          <p:cNvSpPr txBox="1"/>
-          <p:nvPr/>
-        </p:nvSpPr>
-        <p:spPr>
-          <a:xfrm>
-            <a:off x="7628709" y="1360013"/>
-            <a:ext cx="1716677" cy="400110"/>
-          </a:xfrm>
-          <a:prstGeom prst="rect">
-            <a:avLst/>
-          </a:prstGeom>
-        </p:spPr>
-        <p:style>
-          <a:lnRef idx="0">
-            <a:schemeClr val="accent1"/>
-          </a:lnRef>
-          <a:fillRef idx="3">
-            <a:schemeClr val="accent1"/>
-          </a:fillRef>
-          <a:effectRef idx="3">
-            <a:schemeClr val="accent1"/>
-          </a:effectRef>
-          <a:fontRef idx="minor">
-            <a:schemeClr val="lt1"/>
-          </a:fontRef>
-        </p:style>
-        <p:txBody>
-          <a:bodyPr wrap="square" rtlCol="0">
-            <a:spAutoFit/>
-          </a:bodyPr>
-          <a:lstStyle/>
-          <a:p>
-            <a:pPr algn="ctr"/>
-            <a:r>
-              <a:rPr lang="de-DE" sz="2000" dirty="0" smtClean="0"/>
-              <a:t>Zoom In/Out</a:t>
-            </a:r>
-            <a:endParaRPr lang="de-DE" sz="2000" dirty="0"/>
-          </a:p>
-        </p:txBody>
-      </p:sp>
       <p:cxnSp>
         <p:nvCxnSpPr>
           <p:cNvPr id="14" name="Conector recto de flecha 13"/>
-          <p:cNvCxnSpPr/>
+          <p:cNvCxnSpPr>
+            <a:stCxn id="12" idx="3"/>
+          </p:cNvCxnSpPr>
           <p:nvPr/>
         </p:nvCxnSpPr>
         <p:spPr>
           <a:xfrm flipV="1">
-            <a:off x="6361611" y="1619948"/>
-            <a:ext cx="1267098" cy="303668"/>
+            <a:off x="6625046" y="1619948"/>
+            <a:ext cx="1003663" cy="261044"/>
           </a:xfrm>
           <a:prstGeom prst="straightConnector1">
             <a:avLst/>
@@ -8759,112 +8867,6 @@
           </a:fontRef>
         </p:style>
       </p:cxnSp>
-      <p:sp>
-        <p:nvSpPr>
-          <p:cNvPr id="16" name="CuadroTexto 15"/>
-          <p:cNvSpPr txBox="1"/>
-          <p:nvPr/>
-        </p:nvSpPr>
-        <p:spPr>
-          <a:xfrm>
-            <a:off x="7889966" y="3030583"/>
-            <a:ext cx="2092234" cy="400110"/>
-          </a:xfrm>
-          <a:prstGeom prst="rect">
-            <a:avLst/>
-          </a:prstGeom>
-          <a:noFill/>
-        </p:spPr>
-        <p:txBody>
-          <a:bodyPr wrap="square" rtlCol="0">
-            <a:spAutoFit/>
-          </a:bodyPr>
-          <a:lstStyle/>
-          <a:p>
-            <a:r>
-              <a:rPr lang="es-ES" sz="2000" dirty="0" err="1" smtClean="0"/>
-              <a:t>Arrival</a:t>
-            </a:r>
-            <a:r>
-              <a:rPr lang="es-ES" sz="2000" dirty="0" smtClean="0"/>
-              <a:t> </a:t>
-            </a:r>
-            <a:r>
-              <a:rPr lang="es-ES" sz="2000" dirty="0" err="1" smtClean="0"/>
-              <a:t>airport</a:t>
-            </a:r>
-            <a:endParaRPr lang="es-ES" sz="2000" dirty="0"/>
-          </a:p>
-        </p:txBody>
-      </p:sp>
-      <p:sp>
-        <p:nvSpPr>
-          <p:cNvPr id="17" name="CuadroTexto 16"/>
-          <p:cNvSpPr txBox="1"/>
-          <p:nvPr/>
-        </p:nvSpPr>
-        <p:spPr>
-          <a:xfrm>
-            <a:off x="7889965" y="4022975"/>
-            <a:ext cx="2338251" cy="400110"/>
-          </a:xfrm>
-          <a:prstGeom prst="rect">
-            <a:avLst/>
-          </a:prstGeom>
-          <a:noFill/>
-        </p:spPr>
-        <p:txBody>
-          <a:bodyPr wrap="square" rtlCol="0">
-            <a:spAutoFit/>
-          </a:bodyPr>
-          <a:lstStyle/>
-          <a:p>
-            <a:r>
-              <a:rPr lang="es-ES" sz="2000" dirty="0" err="1" smtClean="0"/>
-              <a:t>Departure</a:t>
-            </a:r>
-            <a:r>
-              <a:rPr lang="es-ES" sz="2000" dirty="0" smtClean="0"/>
-              <a:t> </a:t>
-            </a:r>
-            <a:r>
-              <a:rPr lang="es-ES" sz="2000" dirty="0" err="1" smtClean="0"/>
-              <a:t>airports</a:t>
-            </a:r>
-            <a:endParaRPr lang="es-ES" sz="2000" dirty="0"/>
-          </a:p>
-        </p:txBody>
-      </p:sp>
-      <p:pic>
-        <p:nvPicPr>
-          <p:cNvPr id="4" name="Imagen 3"/>
-          <p:cNvPicPr>
-            <a:picLocks noChangeAspect="1"/>
-          </p:cNvPicPr>
-          <p:nvPr/>
-        </p:nvPicPr>
-        <p:blipFill>
-          <a:blip r:embed="rId4" cstate="print">
-            <a:extLst>
-              <a:ext uri="{28A0092B-C50C-407E-A947-70E740481C1C}">
-                <a14:useLocalDpi xmlns:a14="http://schemas.microsoft.com/office/drawing/2010/main" val="0"/>
-              </a:ext>
-            </a:extLst>
-          </a:blip>
-          <a:stretch>
-            <a:fillRect/>
-          </a:stretch>
-        </p:blipFill>
-        <p:spPr>
-          <a:xfrm>
-            <a:off x="6966855" y="3792479"/>
-            <a:ext cx="809898" cy="809898"/>
-          </a:xfrm>
-          <a:prstGeom prst="rect">
-            <a:avLst/>
-          </a:prstGeom>
-        </p:spPr>
-      </p:pic>
     </p:spTree>
     <p:extLst>
       <p:ext uri="{BB962C8B-B14F-4D97-AF65-F5344CB8AC3E}">

--- a/additionalMaterial/Arcadia coding challenge.pptx
+++ b/additionalMaterial/Arcadia coding challenge.pptx
@@ -207,7 +207,7 @@
           <a:p>
             <a:fld id="{67A2E7E2-27B8-425C-B4EB-E884904ECD4B}" type="datetimeFigureOut">
               <a:rPr lang="de-DE" smtClean="0"/>
-              <a:t>18.07.2021</a:t>
+              <a:t>19.07.2021</a:t>
             </a:fld>
             <a:endParaRPr lang="de-DE"/>
           </a:p>
@@ -690,7 +690,7 @@
           <a:p>
             <a:fld id="{EF8E4B40-7F43-4DD3-A070-5400EC1863A2}" type="datetime1">
               <a:rPr lang="es-ES" smtClean="0"/>
-              <a:t>18/07/2021</a:t>
+              <a:t>19/07/2021</a:t>
             </a:fld>
             <a:endParaRPr lang="de-DE"/>
           </a:p>
@@ -864,7 +864,7 @@
           <a:p>
             <a:fld id="{E0DA59B0-8943-4F05-9ACB-9BE9E641BF55}" type="datetime1">
               <a:rPr lang="es-ES" smtClean="0"/>
-              <a:t>18/07/2021</a:t>
+              <a:t>19/07/2021</a:t>
             </a:fld>
             <a:endParaRPr lang="de-DE"/>
           </a:p>
@@ -1048,7 +1048,7 @@
           <a:p>
             <a:fld id="{93749CB3-FE0C-438C-86A2-907C959E563F}" type="datetime1">
               <a:rPr lang="es-ES" smtClean="0"/>
-              <a:t>18/07/2021</a:t>
+              <a:t>19/07/2021</a:t>
             </a:fld>
             <a:endParaRPr lang="de-DE"/>
           </a:p>
@@ -1222,7 +1222,7 @@
           <a:p>
             <a:fld id="{EF7341AF-8AC0-4F6A-94AA-EACB00987E78}" type="datetime1">
               <a:rPr lang="es-ES" smtClean="0"/>
-              <a:t>18/07/2021</a:t>
+              <a:t>19/07/2021</a:t>
             </a:fld>
             <a:endParaRPr lang="de-DE"/>
           </a:p>
@@ -1472,7 +1472,7 @@
           <a:p>
             <a:fld id="{C2C2C80C-13BD-40C6-B2AB-75BD61C9978F}" type="datetime1">
               <a:rPr lang="es-ES" smtClean="0"/>
-              <a:t>18/07/2021</a:t>
+              <a:t>19/07/2021</a:t>
             </a:fld>
             <a:endParaRPr lang="de-DE"/>
           </a:p>
@@ -1708,7 +1708,7 @@
           <a:p>
             <a:fld id="{4844AE6F-946B-44D3-B871-E0E0FA705A17}" type="datetime1">
               <a:rPr lang="es-ES" smtClean="0"/>
-              <a:t>18/07/2021</a:t>
+              <a:t>19/07/2021</a:t>
             </a:fld>
             <a:endParaRPr lang="de-DE"/>
           </a:p>
@@ -2079,7 +2079,7 @@
           <a:p>
             <a:fld id="{70C00309-99E1-4645-A6C4-6EA2AF5A6C89}" type="datetime1">
               <a:rPr lang="es-ES" smtClean="0"/>
-              <a:t>18/07/2021</a:t>
+              <a:t>19/07/2021</a:t>
             </a:fld>
             <a:endParaRPr lang="de-DE"/>
           </a:p>
@@ -2201,7 +2201,7 @@
           <a:p>
             <a:fld id="{7F4CE8F9-D0BF-43AE-B99D-48CFF03F52BA}" type="datetime1">
               <a:rPr lang="es-ES" smtClean="0"/>
-              <a:t>18/07/2021</a:t>
+              <a:t>19/07/2021</a:t>
             </a:fld>
             <a:endParaRPr lang="de-DE"/>
           </a:p>
@@ -2300,7 +2300,7 @@
           <a:p>
             <a:fld id="{CFC2B2A3-85D2-436F-B6F6-AFF92BE0499B}" type="datetime1">
               <a:rPr lang="es-ES" smtClean="0"/>
-              <a:t>18/07/2021</a:t>
+              <a:t>19/07/2021</a:t>
             </a:fld>
             <a:endParaRPr lang="de-DE"/>
           </a:p>
@@ -2581,7 +2581,7 @@
           <a:p>
             <a:fld id="{B7738FE7-3DDC-46AF-BF6F-AC3B26DE5127}" type="datetime1">
               <a:rPr lang="es-ES" smtClean="0"/>
-              <a:t>18/07/2021</a:t>
+              <a:t>19/07/2021</a:t>
             </a:fld>
             <a:endParaRPr lang="de-DE"/>
           </a:p>
@@ -2838,7 +2838,7 @@
           <a:p>
             <a:fld id="{4765575B-3666-46D6-A54E-ED373FFD8C7C}" type="datetime1">
               <a:rPr lang="es-ES" smtClean="0"/>
-              <a:t>18/07/2021</a:t>
+              <a:t>19/07/2021</a:t>
             </a:fld>
             <a:endParaRPr lang="de-DE"/>
           </a:p>
@@ -3055,7 +3055,7 @@
           <a:p>
             <a:fld id="{0C8C3FC6-B88C-45F7-B536-56C0FDF5D6C1}" type="datetime1">
               <a:rPr lang="es-ES" smtClean="0"/>
-              <a:t>18/07/2021</a:t>
+              <a:t>19/07/2021</a:t>
             </a:fld>
             <a:endParaRPr lang="de-DE"/>
           </a:p>
@@ -3677,7 +3677,7 @@
           <a:p>
             <a:fld id="{5CD726D9-14E8-469F-B505-930BA3FE2D7D}" type="datetime1">
               <a:rPr lang="es-ES" smtClean="0"/>
-              <a:t>18/07/2021</a:t>
+              <a:t>19/07/2021</a:t>
             </a:fld>
             <a:endParaRPr lang="de-DE"/>
           </a:p>
@@ -3902,7 +3902,7 @@
           <a:p>
             <a:fld id="{37CAA0BA-ED71-44EF-91CA-56216FFD4371}" type="datetime1">
               <a:rPr lang="es-ES" smtClean="0"/>
-              <a:t>18/07/2021</a:t>
+              <a:t>19/07/2021</a:t>
             </a:fld>
             <a:endParaRPr lang="de-DE"/>
           </a:p>
@@ -3963,7 +3963,7 @@
         <p:spPr>
           <a:xfrm>
             <a:off x="838200" y="1565189"/>
-            <a:ext cx="10256108" cy="2308324"/>
+            <a:ext cx="10256108" cy="2862322"/>
           </a:xfrm>
           <a:prstGeom prst="rect">
             <a:avLst/>
@@ -4138,8 +4138,13 @@
             </a:r>
             <a:r>
               <a:rPr lang="es-ES" dirty="0" smtClean="0"/>
-              <a:t> position)</a:t>
-            </a:r>
+              <a:t> position</a:t>
+            </a:r>
+            <a:r>
+              <a:rPr lang="es-ES" dirty="0" smtClean="0"/>
+              <a:t>).</a:t>
+            </a:r>
+            <a:endParaRPr lang="es-ES" dirty="0" smtClean="0"/>
           </a:p>
           <a:p>
             <a:pPr marL="285750" indent="-285750">
@@ -4150,8 +4155,12 @@
               <a:buChar char="Ø"/>
             </a:pPr>
             <a:r>
-              <a:rPr lang="es-ES" dirty="0" smtClean="0"/>
-              <a:t>Test </a:t>
+              <a:rPr lang="es-ES" dirty="0" err="1" smtClean="0"/>
+              <a:t>Improve</a:t>
+            </a:r>
+            <a:r>
+              <a:rPr lang="es-ES" dirty="0" smtClean="0"/>
+              <a:t> test </a:t>
             </a:r>
             <a:r>
               <a:rPr lang="es-ES" dirty="0" err="1" smtClean="0"/>
@@ -4172,6 +4181,56 @@
             </a:pPr>
             <a:r>
               <a:rPr lang="es-ES" dirty="0" err="1" smtClean="0"/>
+              <a:t>Adapt</a:t>
+            </a:r>
+            <a:r>
+              <a:rPr lang="es-ES" dirty="0" smtClean="0"/>
+              <a:t> </a:t>
+            </a:r>
+            <a:r>
+              <a:rPr lang="es-ES" dirty="0" err="1" smtClean="0"/>
+              <a:t>the</a:t>
+            </a:r>
+            <a:r>
+              <a:rPr lang="es-ES" dirty="0" smtClean="0"/>
+              <a:t> </a:t>
+            </a:r>
+            <a:r>
+              <a:rPr lang="es-ES" dirty="0" err="1" smtClean="0"/>
+              <a:t>application</a:t>
+            </a:r>
+            <a:r>
+              <a:rPr lang="es-ES" dirty="0" smtClean="0"/>
+              <a:t> to a </a:t>
+            </a:r>
+            <a:r>
+              <a:rPr lang="es-ES" dirty="0" err="1" smtClean="0"/>
+              <a:t>Progressive</a:t>
+            </a:r>
+            <a:r>
+              <a:rPr lang="es-ES" dirty="0" smtClean="0"/>
+              <a:t> Web </a:t>
+            </a:r>
+            <a:r>
+              <a:rPr lang="es-ES" dirty="0" err="1" smtClean="0"/>
+              <a:t>Application</a:t>
+            </a:r>
+            <a:r>
+              <a:rPr lang="es-ES" dirty="0" smtClean="0"/>
+              <a:t> (PWA).</a:t>
+            </a:r>
+            <a:endParaRPr lang="es-ES" dirty="0" smtClean="0"/>
+          </a:p>
+          <a:p>
+            <a:pPr marL="285750" indent="-285750">
+              <a:lnSpc>
+                <a:spcPct val="200000"/>
+              </a:lnSpc>
+              <a:buFont typeface="Wingdings" panose="05000000000000000000" pitchFamily="2" charset="2"/>
+              <a:buChar char="Ø"/>
+            </a:pPr>
+            <a:r>
+              <a:rPr lang="es-ES" dirty="0" err="1" smtClean="0"/>
               <a:t>Additional</a:t>
             </a:r>
             <a:r>
@@ -4264,7 +4323,11 @@
             </a:r>
             <a:r>
               <a:rPr lang="es-ES" dirty="0" smtClean="0"/>
-              <a:t>, ...)</a:t>
+              <a:t>, </a:t>
+            </a:r>
+            <a:r>
+              <a:rPr lang="es-ES" dirty="0" smtClean="0"/>
+              <a:t>...).</a:t>
             </a:r>
             <a:endParaRPr lang="de-DE" dirty="0"/>
           </a:p>
@@ -4347,7 +4410,7 @@
           <a:p>
             <a:fld id="{4AAB3A22-1D20-416C-A43B-66E3D9C63F5F}" type="datetime1">
               <a:rPr lang="es-ES" smtClean="0"/>
-              <a:t>18/07/2021</a:t>
+              <a:t>19/07/2021</a:t>
             </a:fld>
             <a:endParaRPr lang="de-DE"/>
           </a:p>
@@ -5210,7 +5273,7 @@
           <a:p>
             <a:fld id="{67A2722B-B09F-49C0-82E0-E7CA13C983A9}" type="datetime1">
               <a:rPr lang="es-ES" smtClean="0"/>
-              <a:t>18/07/2021</a:t>
+              <a:t>19/07/2021</a:t>
             </a:fld>
             <a:endParaRPr lang="de-DE"/>
           </a:p>
@@ -5339,7 +5402,7 @@
           <a:p>
             <a:fld id="{C1A99A8E-69E2-47B7-B7E8-7A19462F3A9C}" type="datetime1">
               <a:rPr lang="es-ES" smtClean="0"/>
-              <a:t>18/07/2021</a:t>
+              <a:t>19/07/2021</a:t>
             </a:fld>
             <a:endParaRPr lang="de-DE"/>
           </a:p>
@@ -6068,7 +6131,7 @@
           <a:p>
             <a:fld id="{C1A99A8E-69E2-47B7-B7E8-7A19462F3A9C}" type="datetime1">
               <a:rPr lang="es-ES" smtClean="0"/>
-              <a:t>18/07/2021</a:t>
+              <a:t>19/07/2021</a:t>
             </a:fld>
             <a:endParaRPr lang="de-DE"/>
           </a:p>
@@ -7042,7 +7105,7 @@
           <a:p>
             <a:fld id="{6ACAB6A7-0C7E-4971-87AC-7CF313218F81}" type="datetime1">
               <a:rPr lang="es-ES" smtClean="0"/>
-              <a:t>18/07/2021</a:t>
+              <a:t>19/07/2021</a:t>
             </a:fld>
             <a:endParaRPr lang="de-DE"/>
           </a:p>
@@ -7638,7 +7701,7 @@
           <a:p>
             <a:fld id="{3E7A60FE-B05C-4995-901D-7197F4CC3BAC}" type="datetime1">
               <a:rPr lang="es-ES" smtClean="0"/>
-              <a:t>18/07/2021</a:t>
+              <a:t>19/07/2021</a:t>
             </a:fld>
             <a:endParaRPr lang="de-DE"/>
           </a:p>
@@ -7987,7 +8050,7 @@
           <a:p>
             <a:fld id="{A971FB99-8829-49D1-8177-36C294907C9A}" type="datetime1">
               <a:rPr lang="es-ES" smtClean="0"/>
-              <a:t>18/07/2021</a:t>
+              <a:t>19/07/2021</a:t>
             </a:fld>
             <a:endParaRPr lang="de-DE"/>
           </a:p>
@@ -8530,7 +8593,7 @@
           <a:p>
             <a:fld id="{712CD4BB-DBCE-4532-A8F5-F4EA3430C77D}" type="datetime1">
               <a:rPr lang="es-ES" smtClean="0"/>
-              <a:t>18/07/2021</a:t>
+              <a:t>19/07/2021</a:t>
             </a:fld>
             <a:endParaRPr lang="de-DE"/>
           </a:p>
